--- a/teaching/f15_cpsc217/Week_9_1.pptx
+++ b/teaching/f15_cpsc217/Week_9_1.pptx
@@ -4355,11 +4355,7 @@
             </a:br>
             <a:r>
               <a:rPr lang="en-US" dirty="0" smtClean="0"/>
-              <a:t>Week </a:t>
-            </a:r>
-            <a:r>
-              <a:rPr lang="en-US" dirty="0" smtClean="0"/>
-              <a:t>IX</a:t>
+              <a:t>Week IX</a:t>
             </a:r>
             <a:endParaRPr lang="en-US" dirty="0"/>
           </a:p>
@@ -4392,13 +4388,8 @@
             </a:pPr>
             <a:r>
               <a:rPr lang="en-US" b="1" dirty="0" smtClean="0"/>
-              <a:t>Part #1: </a:t>
-            </a:r>
-            <a:r>
-              <a:rPr lang="en-US" b="1" dirty="0" smtClean="0"/>
-              <a:t>Function, Iteration and List</a:t>
-            </a:r>
-            <a:endParaRPr lang="en-US" b="1" dirty="0" smtClean="0"/>
+              <a:t>Part #1: Function, Iteration and List</a:t>
+            </a:r>
           </a:p>
           <a:p>
             <a:pPr>
@@ -5053,14 +5044,21 @@
                 <a:latin typeface="Consolas" panose="020B0609020204030204" pitchFamily="49" charset="0"/>
                 <a:cs typeface="Consolas" panose="020B0609020204030204" pitchFamily="49" charset="0"/>
               </a:rPr>
-              <a:t>scalar_mult</a:t>
+              <a:t>scalar_add</a:t>
             </a:r>
             <a:r>
               <a:rPr lang="en-CA" dirty="0" smtClean="0">
                 <a:latin typeface="Consolas" panose="020B0609020204030204" pitchFamily="49" charset="0"/>
                 <a:cs typeface="Consolas" panose="020B0609020204030204" pitchFamily="49" charset="0"/>
               </a:rPr>
-              <a:t>(a, b):</a:t>
+              <a:t>(a</a:t>
+            </a:r>
+            <a:r>
+              <a:rPr lang="en-CA" dirty="0" smtClean="0">
+                <a:latin typeface="Consolas" panose="020B0609020204030204" pitchFamily="49" charset="0"/>
+                <a:cs typeface="Consolas" panose="020B0609020204030204" pitchFamily="49" charset="0"/>
+              </a:rPr>
+              <a:t>, b):</a:t>
             </a:r>
             <a:endParaRPr lang="en-CA" dirty="0">
               <a:latin typeface="Consolas" panose="020B0609020204030204" pitchFamily="49" charset="0"/>
@@ -5595,7 +5593,6 @@
               <a:rPr lang="en-US" dirty="0" smtClean="0"/>
               <a:t>For-loop for a list</a:t>
             </a:r>
-            <a:endParaRPr lang="en-US" dirty="0" smtClean="0"/>
           </a:p>
           <a:p>
             <a:r>
@@ -5614,14 +5611,12 @@
               <a:rPr lang="en-US" dirty="0" smtClean="0"/>
               <a:t>Function that return a list</a:t>
             </a:r>
-            <a:endParaRPr lang="en-US" dirty="0" smtClean="0"/>
           </a:p>
           <a:p>
             <a:r>
               <a:rPr lang="en-US" dirty="0" smtClean="0"/>
               <a:t>List nesting</a:t>
             </a:r>
-            <a:endParaRPr lang="en-US" dirty="0" smtClean="0"/>
           </a:p>
           <a:p>
             <a:r>

--- a/teaching/f15_cpsc217/Week_9_1.pptx
+++ b/teaching/f15_cpsc217/Week_9_1.pptx
@@ -5040,18 +5040,18 @@
               <a:t>function </a:t>
             </a:r>
             <a:r>
-              <a:rPr lang="en-CA" dirty="0" err="1" smtClean="0">
-                <a:latin typeface="Consolas" panose="020B0609020204030204" pitchFamily="49" charset="0"/>
-                <a:cs typeface="Consolas" panose="020B0609020204030204" pitchFamily="49" charset="0"/>
-              </a:rPr>
-              <a:t>scalar_add</a:t>
-            </a:r>
-            <a:r>
               <a:rPr lang="en-CA" dirty="0" smtClean="0">
                 <a:latin typeface="Consolas" panose="020B0609020204030204" pitchFamily="49" charset="0"/>
                 <a:cs typeface="Consolas" panose="020B0609020204030204" pitchFamily="49" charset="0"/>
               </a:rPr>
-              <a:t>(a</a:t>
+              <a:t>2d_list</a:t>
+            </a:r>
+            <a:r>
+              <a:rPr lang="en-CA" dirty="0" smtClean="0">
+                <a:latin typeface="Consolas" panose="020B0609020204030204" pitchFamily="49" charset="0"/>
+                <a:cs typeface="Consolas" panose="020B0609020204030204" pitchFamily="49" charset="0"/>
+              </a:rPr>
+              <a:t>_add(a</a:t>
             </a:r>
             <a:r>
               <a:rPr lang="en-CA" dirty="0" smtClean="0">
@@ -5141,78 +5141,76 @@
               <a:t> &lt; </a:t>
             </a:r>
             <a:r>
-              <a:rPr lang="en-CA" dirty="0" err="1">
+              <a:rPr lang="en-CA" dirty="0" err="1" smtClean="0">
                 <a:latin typeface="Consolas" panose="020B0609020204030204" pitchFamily="49" charset="0"/>
                 <a:cs typeface="Consolas" panose="020B0609020204030204" pitchFamily="49" charset="0"/>
               </a:rPr>
               <a:t>len</a:t>
             </a:r>
             <a:r>
+              <a:rPr lang="en-CA" dirty="0" smtClean="0">
+                <a:latin typeface="Consolas" panose="020B0609020204030204" pitchFamily="49" charset="0"/>
+                <a:cs typeface="Consolas" panose="020B0609020204030204" pitchFamily="49" charset="0"/>
+              </a:rPr>
+              <a:t>(a):</a:t>
+            </a:r>
+            <a:endParaRPr lang="en-CA" dirty="0">
+              <a:latin typeface="Consolas" panose="020B0609020204030204" pitchFamily="49" charset="0"/>
+              <a:cs typeface="Consolas" panose="020B0609020204030204" pitchFamily="49" charset="0"/>
+            </a:endParaRPr>
+          </a:p>
+          <a:p>
+            <a:pPr marL="914400" lvl="2" indent="0">
+              <a:buNone/>
+            </a:pPr>
+            <a:r>
+              <a:rPr lang="en-CA" dirty="0" err="1" smtClean="0">
+                <a:latin typeface="Consolas" panose="020B0609020204030204" pitchFamily="49" charset="0"/>
+                <a:cs typeface="Consolas" panose="020B0609020204030204" pitchFamily="49" charset="0"/>
+              </a:rPr>
+              <a:t>ret_list.append</a:t>
+            </a:r>
+            <a:r>
+              <a:rPr lang="en-CA" dirty="0" smtClean="0">
+                <a:latin typeface="Consolas" panose="020B0609020204030204" pitchFamily="49" charset="0"/>
+                <a:cs typeface="Consolas" panose="020B0609020204030204" pitchFamily="49" charset="0"/>
+              </a:rPr>
+              <a:t>([])</a:t>
+            </a:r>
+            <a:endParaRPr lang="en-CA" dirty="0">
+              <a:latin typeface="Consolas" panose="020B0609020204030204" pitchFamily="49" charset="0"/>
+              <a:cs typeface="Consolas" panose="020B0609020204030204" pitchFamily="49" charset="0"/>
+            </a:endParaRPr>
+          </a:p>
+          <a:p>
+            <a:pPr marL="914400" lvl="2" indent="0">
+              <a:buNone/>
+            </a:pPr>
+            <a:r>
               <a:rPr lang="en-CA" dirty="0">
                 <a:latin typeface="Consolas" panose="020B0609020204030204" pitchFamily="49" charset="0"/>
                 <a:cs typeface="Consolas" panose="020B0609020204030204" pitchFamily="49" charset="0"/>
               </a:rPr>
-              <a:t>(2d_list):</a:t>
-            </a:r>
-          </a:p>
-          <a:p>
-            <a:pPr marL="914400" lvl="2" indent="0">
-              <a:buNone/>
-            </a:pPr>
-            <a:r>
-              <a:rPr lang="en-CA" dirty="0" err="1">
-                <a:latin typeface="Consolas" panose="020B0609020204030204" pitchFamily="49" charset="0"/>
-                <a:cs typeface="Consolas" panose="020B0609020204030204" pitchFamily="49" charset="0"/>
-              </a:rPr>
-              <a:t>ret_list.append</a:t>
-            </a:r>
-            <a:r>
-              <a:rPr lang="en-CA" dirty="0">
-                <a:latin typeface="Consolas" panose="020B0609020204030204" pitchFamily="49" charset="0"/>
-                <a:cs typeface="Consolas" panose="020B0609020204030204" pitchFamily="49" charset="0"/>
-              </a:rPr>
-              <a:t>([])</a:t>
-            </a:r>
-          </a:p>
-          <a:p>
-            <a:pPr marL="914400" lvl="2" indent="0">
-              <a:buNone/>
-            </a:pPr>
-            <a:r>
-              <a:rPr lang="en-CA" dirty="0">
-                <a:latin typeface="Consolas" panose="020B0609020204030204" pitchFamily="49" charset="0"/>
-                <a:cs typeface="Consolas" panose="020B0609020204030204" pitchFamily="49" charset="0"/>
-              </a:rPr>
               <a:t>while j &lt; </a:t>
             </a:r>
             <a:r>
-              <a:rPr lang="en-CA" dirty="0" err="1">
+              <a:rPr lang="en-CA" dirty="0" err="1" smtClean="0">
                 <a:latin typeface="Consolas" panose="020B0609020204030204" pitchFamily="49" charset="0"/>
                 <a:cs typeface="Consolas" panose="020B0609020204030204" pitchFamily="49" charset="0"/>
               </a:rPr>
               <a:t>len</a:t>
             </a:r>
             <a:r>
-              <a:rPr lang="en-CA" dirty="0">
-                <a:latin typeface="Consolas" panose="020B0609020204030204" pitchFamily="49" charset="0"/>
-                <a:cs typeface="Consolas" panose="020B0609020204030204" pitchFamily="49" charset="0"/>
-              </a:rPr>
-              <a:t>(2d_list[</a:t>
-            </a:r>
-            <a:r>
-              <a:rPr lang="en-CA" dirty="0" err="1">
-                <a:latin typeface="Consolas" panose="020B0609020204030204" pitchFamily="49" charset="0"/>
-                <a:cs typeface="Consolas" panose="020B0609020204030204" pitchFamily="49" charset="0"/>
-              </a:rPr>
-              <a:t>i</a:t>
-            </a:r>
-            <a:r>
-              <a:rPr lang="en-CA" dirty="0">
-                <a:latin typeface="Consolas" panose="020B0609020204030204" pitchFamily="49" charset="0"/>
-                <a:cs typeface="Consolas" panose="020B0609020204030204" pitchFamily="49" charset="0"/>
-              </a:rPr>
-              <a:t>]):</a:t>
-            </a:r>
+              <a:rPr lang="en-CA" smtClean="0">
+                <a:latin typeface="Consolas" panose="020B0609020204030204" pitchFamily="49" charset="0"/>
+                <a:cs typeface="Consolas" panose="020B0609020204030204" pitchFamily="49" charset="0"/>
+              </a:rPr>
+              <a:t>(b):</a:t>
+            </a:r>
+            <a:endParaRPr lang="en-CA" dirty="0">
+              <a:latin typeface="Consolas" panose="020B0609020204030204" pitchFamily="49" charset="0"/>
+              <a:cs typeface="Consolas" panose="020B0609020204030204" pitchFamily="49" charset="0"/>
+            </a:endParaRPr>
           </a:p>
           <a:p>
             <a:pPr marL="1371600" lvl="3" indent="0">
